--- a/DevSecOps Implementation Strategy.pptx
+++ b/DevSecOps Implementation Strategy.pptx
@@ -157,19 +157,19 @@
   </pc:docChgLst>
   <pc:docChgLst>
     <pc:chgData name="Vijay Reddiar" userId="de7618a792c17300" providerId="LiveId" clId="{2AD983FD-9FBB-4FA8-8F06-F1701D718376}"/>
-    <pc:docChg chg="modSld">
-      <pc:chgData name="Vijay Reddiar" userId="de7618a792c17300" providerId="LiveId" clId="{2AD983FD-9FBB-4FA8-8F06-F1701D718376}" dt="2018-12-17T05:20:53.150" v="6" actId="6549"/>
+    <pc:docChg chg="custSel modSld">
+      <pc:chgData name="Vijay Reddiar" userId="de7618a792c17300" providerId="LiveId" clId="{2AD983FD-9FBB-4FA8-8F06-F1701D718376}" dt="2018-12-17T13:24:59.401" v="177" actId="20577"/>
       <pc:docMkLst>
         <pc:docMk/>
       </pc:docMkLst>
       <pc:sldChg chg="modSp">
-        <pc:chgData name="Vijay Reddiar" userId="de7618a792c17300" providerId="LiveId" clId="{2AD983FD-9FBB-4FA8-8F06-F1701D718376}" dt="2018-12-17T05:20:53.150" v="6" actId="6549"/>
+        <pc:chgData name="Vijay Reddiar" userId="de7618a792c17300" providerId="LiveId" clId="{2AD983FD-9FBB-4FA8-8F06-F1701D718376}" dt="2018-12-17T13:24:59.401" v="177" actId="20577"/>
         <pc:sldMkLst>
           <pc:docMk/>
           <pc:sldMk cId="4024427998" sldId="256"/>
         </pc:sldMkLst>
         <pc:spChg chg="mod">
-          <ac:chgData name="Vijay Reddiar" userId="de7618a792c17300" providerId="LiveId" clId="{2AD983FD-9FBB-4FA8-8F06-F1701D718376}" dt="2018-12-17T05:20:53.150" v="6" actId="6549"/>
+          <ac:chgData name="Vijay Reddiar" userId="de7618a792c17300" providerId="LiveId" clId="{2AD983FD-9FBB-4FA8-8F06-F1701D718376}" dt="2018-12-17T13:24:59.401" v="177" actId="20577"/>
           <ac:spMkLst>
             <pc:docMk/>
             <pc:sldMk cId="4024427998" sldId="256"/>
@@ -3053,16 +3053,34 @@
         </p:nvSpPr>
         <p:spPr/>
         <p:txBody>
-          <a:bodyPr/>
-          <a:lstStyle/>
-          <a:p>
-            <a:r>
-              <a:rPr lang="en-US" dirty="0" err="1"/>
+          <a:bodyPr>
+            <a:normAutofit/>
+          </a:bodyPr>
+          <a:lstStyle/>
+          <a:p>
+            <a:r>
+              <a:rPr lang="en-US" dirty="0"/>
+              <a:t>Implementation Strategy Based on People Process Technology (PPT), IT Management Framework</a:t>
+            </a:r>
+          </a:p>
+          <a:p>
+            <a:r>
+              <a:rPr lang="en-US" sz="1800" i="1" dirty="0"/>
+              <a:t>Notes from </a:t>
+            </a:r>
+            <a:r>
+              <a:rPr lang="en-US" sz="1800" i="1" dirty="0" err="1"/>
               <a:t>DevSecOps</a:t>
             </a:r>
             <a:r>
-              <a:rPr lang="en-US" dirty="0"/>
-              <a:t> Strategy Based on Typical PPT - IT Management Framework</a:t>
+              <a:rPr lang="en-US" sz="1800" i="1" dirty="0"/>
+              <a:t> certification course in ISC2</a:t>
+            </a:r>
+          </a:p>
+          <a:p>
+            <a:r>
+              <a:rPr lang="en-US" dirty="0"/>
+              <a:t>Vijay Reddiar</a:t>
             </a:r>
           </a:p>
         </p:txBody>
